--- a/documents/Presentation.pptx
+++ b/documents/Presentation.pptx
@@ -5,10 +5,10 @@
     <p:sldMasterId id="2147483796" r:id="rId1"/>
   </p:sldMasterIdLst>
   <p:notesMasterIdLst>
-    <p:notesMasterId r:id="rId24"/>
+    <p:notesMasterId r:id="rId23"/>
   </p:notesMasterIdLst>
   <p:handoutMasterIdLst>
-    <p:handoutMasterId r:id="rId25"/>
+    <p:handoutMasterId r:id="rId24"/>
   </p:handoutMasterIdLst>
   <p:sldIdLst>
     <p:sldId id="256" r:id="rId2"/>
@@ -28,11 +28,10 @@
     <p:sldId id="271" r:id="rId16"/>
     <p:sldId id="273" r:id="rId17"/>
     <p:sldId id="274" r:id="rId18"/>
-    <p:sldId id="284" r:id="rId19"/>
-    <p:sldId id="285" r:id="rId20"/>
-    <p:sldId id="286" r:id="rId21"/>
-    <p:sldId id="287" r:id="rId22"/>
-    <p:sldId id="288" r:id="rId23"/>
+    <p:sldId id="285" r:id="rId19"/>
+    <p:sldId id="284" r:id="rId20"/>
+    <p:sldId id="289" r:id="rId21"/>
+    <p:sldId id="290" r:id="rId22"/>
   </p:sldIdLst>
   <p:sldSz cx="12192000" cy="6858000"/>
   <p:notesSz cx="6858000" cy="9144000"/>
@@ -153,11 +152,10 @@
             <p14:sldId id="271"/>
             <p14:sldId id="273"/>
             <p14:sldId id="274"/>
+            <p14:sldId id="285"/>
             <p14:sldId id="284"/>
-            <p14:sldId id="285"/>
-            <p14:sldId id="286"/>
-            <p14:sldId id="287"/>
-            <p14:sldId id="288"/>
+            <p14:sldId id="289"/>
+            <p14:sldId id="290"/>
           </p14:sldIdLst>
         </p14:section>
       </p14:sectionLst>
@@ -8438,6 +8436,42 @@
           </a:p>
         </p:txBody>
       </p:sp>
+      <p:pic>
+        <p:nvPicPr>
+          <p:cNvPr id="5" name="Picture 4">
+            <a:extLst>
+              <a:ext uri="{FF2B5EF4-FFF2-40B4-BE49-F238E27FC236}">
+                <a16:creationId xmlns:a16="http://schemas.microsoft.com/office/drawing/2014/main" id="{85AF853E-4823-4DA9-A164-03315E7B3CA5}"/>
+              </a:ext>
+            </a:extLst>
+          </p:cNvPr>
+          <p:cNvPicPr>
+            <a:picLocks noChangeAspect="1"/>
+          </p:cNvPicPr>
+          <p:nvPr/>
+        </p:nvPicPr>
+        <p:blipFill>
+          <a:blip r:embed="rId2">
+            <a:extLst>
+              <a:ext uri="{28A0092B-C50C-407E-A947-70E740481C1C}">
+                <a14:useLocalDpi xmlns:a14="http://schemas.microsoft.com/office/drawing/2010/main" val="0"/>
+              </a:ext>
+            </a:extLst>
+          </a:blip>
+          <a:stretch>
+            <a:fillRect/>
+          </a:stretch>
+        </p:blipFill>
+        <p:spPr>
+          <a:xfrm>
+            <a:off x="1598023" y="3429000"/>
+            <a:ext cx="2438400" cy="2438400"/>
+          </a:xfrm>
+          <a:prstGeom prst="rect">
+            <a:avLst/>
+          </a:prstGeom>
+        </p:spPr>
+      </p:pic>
     </p:spTree>
     <p:extLst>
       <p:ext uri="{BB962C8B-B14F-4D97-AF65-F5344CB8AC3E}">
@@ -8637,6 +8671,42 @@
           </a:p>
         </p:txBody>
       </p:sp>
+      <p:pic>
+        <p:nvPicPr>
+          <p:cNvPr id="5" name="Picture 4">
+            <a:extLst>
+              <a:ext uri="{FF2B5EF4-FFF2-40B4-BE49-F238E27FC236}">
+                <a16:creationId xmlns:a16="http://schemas.microsoft.com/office/drawing/2014/main" id="{8D815284-9772-4429-BCD1-53FB4A1A3979}"/>
+              </a:ext>
+            </a:extLst>
+          </p:cNvPr>
+          <p:cNvPicPr>
+            <a:picLocks noChangeAspect="1"/>
+          </p:cNvPicPr>
+          <p:nvPr/>
+        </p:nvPicPr>
+        <p:blipFill>
+          <a:blip r:embed="rId2">
+            <a:extLst>
+              <a:ext uri="{28A0092B-C50C-407E-A947-70E740481C1C}">
+                <a14:useLocalDpi xmlns:a14="http://schemas.microsoft.com/office/drawing/2010/main" val="0"/>
+              </a:ext>
+            </a:extLst>
+          </a:blip>
+          <a:stretch>
+            <a:fillRect/>
+          </a:stretch>
+        </p:blipFill>
+        <p:spPr>
+          <a:xfrm>
+            <a:off x="1436983" y="3095897"/>
+            <a:ext cx="3439817" cy="3439817"/>
+          </a:xfrm>
+          <a:prstGeom prst="rect">
+            <a:avLst/>
+          </a:prstGeom>
+        </p:spPr>
+      </p:pic>
     </p:spTree>
     <p:extLst>
       <p:ext uri="{BB962C8B-B14F-4D97-AF65-F5344CB8AC3E}">
@@ -8862,7 +8932,7 @@
           <p:cNvPr id="2" name="Title 1">
             <a:extLst>
               <a:ext uri="{FF2B5EF4-FFF2-40B4-BE49-F238E27FC236}">
-                <a16:creationId xmlns:a16="http://schemas.microsoft.com/office/drawing/2014/main" id="{B47926B0-6B5D-43BA-841E-A762EBCEFBA7}"/>
+                <a16:creationId xmlns:a16="http://schemas.microsoft.com/office/drawing/2014/main" id="{E4AE5B47-795A-4B6B-BD92-F2B9729EADFC}"/>
               </a:ext>
             </a:extLst>
           </p:cNvPr>
@@ -8882,7 +8952,7 @@
           <a:p>
             <a:r>
               <a:rPr lang="en-US" dirty="0"/>
-              <a:t>Triggers</a:t>
+              <a:t>Log Files</a:t>
             </a:r>
             <a:br>
               <a:rPr lang="en-US" dirty="0"/>
@@ -8896,10 +8966,10 @@
       </p:sp>
       <p:sp>
         <p:nvSpPr>
-          <p:cNvPr id="3" name="Content Placeholder 2">
+          <p:cNvPr id="4" name="Content Placeholder 2">
             <a:extLst>
               <a:ext uri="{FF2B5EF4-FFF2-40B4-BE49-F238E27FC236}">
-                <a16:creationId xmlns:a16="http://schemas.microsoft.com/office/drawing/2014/main" id="{61F0B0A2-9836-47D8-A46A-183DD477CCD8}"/>
+                <a16:creationId xmlns:a16="http://schemas.microsoft.com/office/drawing/2014/main" id="{42076AFA-59F0-40B7-951E-72874D721978}"/>
               </a:ext>
             </a:extLst>
           </p:cNvPr>
@@ -8910,19 +8980,131 @@
             <p:ph idx="1"/>
           </p:nvPr>
         </p:nvSpPr>
-        <p:spPr/>
-        <p:txBody>
-          <a:bodyPr/>
+        <p:spPr>
+          <a:xfrm>
+            <a:off x="866019" y="1491175"/>
+            <a:ext cx="8596668" cy="4757225"/>
+          </a:xfrm>
+        </p:spPr>
+        <p:txBody>
+          <a:bodyPr>
+            <a:normAutofit/>
+          </a:bodyPr>
           <a:lstStyle/>
           <a:p>
-            <a:endParaRPr lang="en-US" dirty="0"/>
-          </a:p>
-        </p:txBody>
-      </p:sp>
+            <a:pPr algn="r" rtl="1">
+              <a:buFont typeface="Wingdings" panose="05000000000000000000" pitchFamily="2" charset="2"/>
+              <a:buChar char="v"/>
+            </a:pPr>
+            <a:r>
+              <a:rPr lang="ar-SA" sz="2400" dirty="0">
+                <a:latin typeface="Al-Jazeera-Arabic-Regular" panose="01000500000000020006" pitchFamily="2" charset="-78"/>
+                <a:cs typeface="Al-Jazeera-Arabic-Regular" panose="01000500000000020006" pitchFamily="2" charset="-78"/>
+              </a:rPr>
+              <a:t>لكل جدول في قاعدة البيانات هناك جدول احتياطي .</a:t>
+            </a:r>
+          </a:p>
+          <a:p>
+            <a:pPr algn="r" rtl="1">
+              <a:buFont typeface="Wingdings" panose="05000000000000000000" pitchFamily="2" charset="2"/>
+              <a:buChar char="v"/>
+            </a:pPr>
+            <a:r>
+              <a:rPr lang="ar-SA" sz="2400" dirty="0">
+                <a:latin typeface="Al-Jazeera-Arabic-Regular" panose="01000500000000020006" pitchFamily="2" charset="-78"/>
+                <a:cs typeface="Al-Jazeera-Arabic-Regular" panose="01000500000000020006" pitchFamily="2" charset="-78"/>
+              </a:rPr>
+              <a:t> يحفظ هذا الجدول البيانات التي قد سجلت فيه سابقاً ومن قام بتسجيلها بل ومتى !</a:t>
+            </a:r>
+          </a:p>
+          <a:p>
+            <a:pPr algn="r" rtl="1">
+              <a:buFont typeface="Wingdings" panose="05000000000000000000" pitchFamily="2" charset="2"/>
+              <a:buChar char="v"/>
+            </a:pPr>
+            <a:r>
+              <a:rPr lang="ar-SA" sz="2400" dirty="0">
+                <a:latin typeface="Al-Jazeera-Arabic-Regular" panose="01000500000000020006" pitchFamily="2" charset="-78"/>
+                <a:cs typeface="Al-Jazeera-Arabic-Regular" panose="01000500000000020006" pitchFamily="2" charset="-78"/>
+              </a:rPr>
+              <a:t>يحفظ هذا الجدول هل تم حذف البيانات ام لم يتم ذلك .</a:t>
+            </a:r>
+          </a:p>
+          <a:p>
+            <a:pPr algn="r" rtl="1">
+              <a:buFont typeface="Wingdings" panose="05000000000000000000" pitchFamily="2" charset="2"/>
+              <a:buChar char="v"/>
+            </a:pPr>
+            <a:r>
+              <a:rPr lang="ar-SA" sz="2400" dirty="0">
+                <a:latin typeface="Al-Jazeera-Arabic-Regular" panose="01000500000000020006" pitchFamily="2" charset="-78"/>
+                <a:cs typeface="Al-Jazeera-Arabic-Regular" panose="01000500000000020006" pitchFamily="2" charset="-78"/>
+              </a:rPr>
+              <a:t>يتكون الجدول من كافة الأعمدة الموجودة بالجدول الأصلي بالإضافة لعمود يحتفظ بمن قام بالعملية وعمود اخر ما هي العملية والعمود الأخير متى حدثت هذه العملية ..</a:t>
+            </a:r>
+          </a:p>
+          <a:p>
+            <a:pPr algn="r" rtl="1">
+              <a:buFont typeface="Wingdings" panose="05000000000000000000" pitchFamily="2" charset="2"/>
+              <a:buChar char="v"/>
+            </a:pPr>
+            <a:endParaRPr lang="ar-SA" sz="2400" dirty="0">
+              <a:latin typeface="Al-Jazeera-Arabic-Regular" panose="01000500000000020006" pitchFamily="2" charset="-78"/>
+              <a:cs typeface="Al-Jazeera-Arabic-Regular" panose="01000500000000020006" pitchFamily="2" charset="-78"/>
+            </a:endParaRPr>
+          </a:p>
+          <a:p>
+            <a:pPr algn="r" rtl="1">
+              <a:buFont typeface="Wingdings" panose="05000000000000000000" pitchFamily="2" charset="2"/>
+              <a:buChar char="v"/>
+            </a:pPr>
+            <a:endParaRPr lang="en-US" sz="2400" dirty="0">
+              <a:latin typeface="Al-Jazeera-Arabic-Regular" panose="01000500000000020006" pitchFamily="2" charset="-78"/>
+              <a:cs typeface="Al-Jazeera-Arabic-Regular" panose="01000500000000020006" pitchFamily="2" charset="-78"/>
+            </a:endParaRPr>
+          </a:p>
+        </p:txBody>
+      </p:sp>
+      <p:pic>
+        <p:nvPicPr>
+          <p:cNvPr id="8" name="Picture 7">
+            <a:extLst>
+              <a:ext uri="{FF2B5EF4-FFF2-40B4-BE49-F238E27FC236}">
+                <a16:creationId xmlns:a16="http://schemas.microsoft.com/office/drawing/2014/main" id="{EFA00AC4-A115-408E-B18B-B7FA1A6805BE}"/>
+              </a:ext>
+            </a:extLst>
+          </p:cNvPr>
+          <p:cNvPicPr>
+            <a:picLocks noChangeAspect="1"/>
+          </p:cNvPicPr>
+          <p:nvPr/>
+        </p:nvPicPr>
+        <p:blipFill>
+          <a:blip r:embed="rId2">
+            <a:extLst>
+              <a:ext uri="{28A0092B-C50C-407E-A947-70E740481C1C}">
+                <a14:useLocalDpi xmlns:a14="http://schemas.microsoft.com/office/drawing/2010/main" val="0"/>
+              </a:ext>
+            </a:extLst>
+          </a:blip>
+          <a:stretch>
+            <a:fillRect/>
+          </a:stretch>
+        </p:blipFill>
+        <p:spPr>
+          <a:xfrm>
+            <a:off x="1459472" y="4096984"/>
+            <a:ext cx="2539682" cy="2539682"/>
+          </a:xfrm>
+          <a:prstGeom prst="rect">
+            <a:avLst/>
+          </a:prstGeom>
+        </p:spPr>
+      </p:pic>
     </p:spTree>
     <p:extLst>
       <p:ext uri="{BB962C8B-B14F-4D97-AF65-F5344CB8AC3E}">
-        <p14:creationId xmlns:p14="http://schemas.microsoft.com/office/powerpoint/2010/main" val="2526936637"/>
+        <p14:creationId xmlns:p14="http://schemas.microsoft.com/office/powerpoint/2010/main" val="1308704618"/>
       </p:ext>
     </p:extLst>
   </p:cSld>
@@ -8954,7 +9136,7 @@
           <p:cNvPr id="2" name="Title 1">
             <a:extLst>
               <a:ext uri="{FF2B5EF4-FFF2-40B4-BE49-F238E27FC236}">
-                <a16:creationId xmlns:a16="http://schemas.microsoft.com/office/drawing/2014/main" id="{E4AE5B47-795A-4B6B-BD92-F2B9729EADFC}"/>
+                <a16:creationId xmlns:a16="http://schemas.microsoft.com/office/drawing/2014/main" id="{B47926B0-6B5D-43BA-841E-A762EBCEFBA7}"/>
               </a:ext>
             </a:extLst>
           </p:cNvPr>
@@ -8974,7 +9156,7 @@
           <a:p>
             <a:r>
               <a:rPr lang="en-US" dirty="0"/>
-              <a:t>Procedures</a:t>
+              <a:t>Triggers</a:t>
             </a:r>
             <a:br>
               <a:rPr lang="en-US" dirty="0"/>
@@ -8988,33 +9170,417 @@
       </p:sp>
       <p:sp>
         <p:nvSpPr>
-          <p:cNvPr id="3" name="Content Placeholder 2">
+          <p:cNvPr id="6" name="Content Placeholder 2">
             <a:extLst>
               <a:ext uri="{FF2B5EF4-FFF2-40B4-BE49-F238E27FC236}">
-                <a16:creationId xmlns:a16="http://schemas.microsoft.com/office/drawing/2014/main" id="{B8B3DD69-4B4B-475D-B3F6-A6D609216BF7}"/>
+                <a16:creationId xmlns:a16="http://schemas.microsoft.com/office/drawing/2014/main" id="{5E83081D-FBDA-43B1-BC73-5D83A231919C}"/>
               </a:ext>
             </a:extLst>
           </p:cNvPr>
-          <p:cNvSpPr>
-            <a:spLocks noGrp="1"/>
-          </p:cNvSpPr>
-          <p:nvPr>
-            <p:ph idx="1"/>
-          </p:nvPr>
-        </p:nvSpPr>
-        <p:spPr/>
-        <p:txBody>
-          <a:bodyPr/>
-          <a:lstStyle/>
-          <a:p>
-            <a:endParaRPr lang="en-US" dirty="0"/>
-          </a:p>
-        </p:txBody>
-      </p:sp>
+          <p:cNvSpPr txBox="1">
+            <a:spLocks/>
+          </p:cNvSpPr>
+          <p:nvPr/>
+        </p:nvSpPr>
+        <p:spPr>
+          <a:xfrm>
+            <a:off x="567509" y="1270000"/>
+            <a:ext cx="9042511" cy="4971731"/>
+          </a:xfrm>
+          <a:prstGeom prst="rect">
+            <a:avLst/>
+          </a:prstGeom>
+        </p:spPr>
+        <p:txBody>
+          <a:bodyPr vert="horz" lIns="91440" tIns="45720" rIns="91440" bIns="45720" rtlCol="0">
+            <a:normAutofit/>
+          </a:bodyPr>
+          <a:lstStyle>
+            <a:lvl1pPr marL="342900" indent="-342900" algn="l" defTabSz="457200" rtl="0" eaLnBrk="1" latinLnBrk="0" hangingPunct="1">
+              <a:spcBef>
+                <a:spcPts val="1000"/>
+              </a:spcBef>
+              <a:spcAft>
+                <a:spcPts val="0"/>
+              </a:spcAft>
+              <a:buClr>
+                <a:schemeClr val="accent1"/>
+              </a:buClr>
+              <a:buSzPct val="80000"/>
+              <a:buFont typeface="Wingdings 3" charset="2"/>
+              <a:buChar char=""/>
+              <a:defRPr sz="1800" kern="1200">
+                <a:solidFill>
+                  <a:schemeClr val="tx1">
+                    <a:lumMod val="75000"/>
+                    <a:lumOff val="25000"/>
+                  </a:schemeClr>
+                </a:solidFill>
+                <a:latin typeface="+mn-lt"/>
+                <a:ea typeface="+mn-ea"/>
+                <a:cs typeface="+mn-cs"/>
+              </a:defRPr>
+            </a:lvl1pPr>
+            <a:lvl2pPr marL="742950" indent="-285750" algn="l" defTabSz="457200" rtl="0" eaLnBrk="1" latinLnBrk="0" hangingPunct="1">
+              <a:spcBef>
+                <a:spcPts val="1000"/>
+              </a:spcBef>
+              <a:spcAft>
+                <a:spcPts val="0"/>
+              </a:spcAft>
+              <a:buClr>
+                <a:schemeClr val="accent1"/>
+              </a:buClr>
+              <a:buSzPct val="80000"/>
+              <a:buFont typeface="Wingdings 3" charset="2"/>
+              <a:buChar char=""/>
+              <a:defRPr sz="1600" kern="1200">
+                <a:solidFill>
+                  <a:schemeClr val="tx1">
+                    <a:lumMod val="75000"/>
+                    <a:lumOff val="25000"/>
+                  </a:schemeClr>
+                </a:solidFill>
+                <a:latin typeface="+mn-lt"/>
+                <a:ea typeface="+mn-ea"/>
+                <a:cs typeface="+mn-cs"/>
+              </a:defRPr>
+            </a:lvl2pPr>
+            <a:lvl3pPr marL="1143000" indent="-228600" algn="l" defTabSz="457200" rtl="0" eaLnBrk="1" latinLnBrk="0" hangingPunct="1">
+              <a:spcBef>
+                <a:spcPts val="1000"/>
+              </a:spcBef>
+              <a:spcAft>
+                <a:spcPts val="0"/>
+              </a:spcAft>
+              <a:buClr>
+                <a:schemeClr val="accent1"/>
+              </a:buClr>
+              <a:buSzPct val="80000"/>
+              <a:buFont typeface="Wingdings 3" charset="2"/>
+              <a:buChar char=""/>
+              <a:defRPr sz="1400" kern="1200">
+                <a:solidFill>
+                  <a:schemeClr val="tx1">
+                    <a:lumMod val="75000"/>
+                    <a:lumOff val="25000"/>
+                  </a:schemeClr>
+                </a:solidFill>
+                <a:latin typeface="+mn-lt"/>
+                <a:ea typeface="+mn-ea"/>
+                <a:cs typeface="+mn-cs"/>
+              </a:defRPr>
+            </a:lvl3pPr>
+            <a:lvl4pPr marL="1600200" indent="-228600" algn="l" defTabSz="457200" rtl="0" eaLnBrk="1" latinLnBrk="0" hangingPunct="1">
+              <a:spcBef>
+                <a:spcPts val="1000"/>
+              </a:spcBef>
+              <a:spcAft>
+                <a:spcPts val="0"/>
+              </a:spcAft>
+              <a:buClr>
+                <a:schemeClr val="accent1"/>
+              </a:buClr>
+              <a:buSzPct val="80000"/>
+              <a:buFont typeface="Wingdings 3" charset="2"/>
+              <a:buChar char=""/>
+              <a:defRPr sz="1200" kern="1200">
+                <a:solidFill>
+                  <a:schemeClr val="tx1">
+                    <a:lumMod val="75000"/>
+                    <a:lumOff val="25000"/>
+                  </a:schemeClr>
+                </a:solidFill>
+                <a:latin typeface="+mn-lt"/>
+                <a:ea typeface="+mn-ea"/>
+                <a:cs typeface="+mn-cs"/>
+              </a:defRPr>
+            </a:lvl4pPr>
+            <a:lvl5pPr marL="2057400" indent="-228600" algn="l" defTabSz="457200" rtl="0" eaLnBrk="1" latinLnBrk="0" hangingPunct="1">
+              <a:spcBef>
+                <a:spcPts val="1000"/>
+              </a:spcBef>
+              <a:spcAft>
+                <a:spcPts val="0"/>
+              </a:spcAft>
+              <a:buClr>
+                <a:schemeClr val="accent1"/>
+              </a:buClr>
+              <a:buSzPct val="80000"/>
+              <a:buFont typeface="Wingdings 3" charset="2"/>
+              <a:buChar char=""/>
+              <a:defRPr sz="1200" kern="1200">
+                <a:solidFill>
+                  <a:schemeClr val="tx1">
+                    <a:lumMod val="75000"/>
+                    <a:lumOff val="25000"/>
+                  </a:schemeClr>
+                </a:solidFill>
+                <a:latin typeface="+mn-lt"/>
+                <a:ea typeface="+mn-ea"/>
+                <a:cs typeface="+mn-cs"/>
+              </a:defRPr>
+            </a:lvl5pPr>
+            <a:lvl6pPr marL="2514600" indent="-228600" algn="l" defTabSz="457200" rtl="0" eaLnBrk="1" latinLnBrk="0" hangingPunct="1">
+              <a:spcBef>
+                <a:spcPts val="1000"/>
+              </a:spcBef>
+              <a:spcAft>
+                <a:spcPts val="0"/>
+              </a:spcAft>
+              <a:buClr>
+                <a:schemeClr val="accent1"/>
+              </a:buClr>
+              <a:buSzPct val="80000"/>
+              <a:buFont typeface="Wingdings 3" charset="2"/>
+              <a:buChar char=""/>
+              <a:defRPr sz="1200" kern="1200">
+                <a:solidFill>
+                  <a:schemeClr val="tx1">
+                    <a:lumMod val="75000"/>
+                    <a:lumOff val="25000"/>
+                  </a:schemeClr>
+                </a:solidFill>
+                <a:latin typeface="+mn-lt"/>
+                <a:ea typeface="+mn-ea"/>
+                <a:cs typeface="+mn-cs"/>
+              </a:defRPr>
+            </a:lvl6pPr>
+            <a:lvl7pPr marL="2971800" indent="-228600" algn="l" defTabSz="457200" rtl="0" eaLnBrk="1" latinLnBrk="0" hangingPunct="1">
+              <a:spcBef>
+                <a:spcPts val="1000"/>
+              </a:spcBef>
+              <a:spcAft>
+                <a:spcPts val="0"/>
+              </a:spcAft>
+              <a:buClr>
+                <a:schemeClr val="accent1"/>
+              </a:buClr>
+              <a:buSzPct val="80000"/>
+              <a:buFont typeface="Wingdings 3" charset="2"/>
+              <a:buChar char=""/>
+              <a:defRPr sz="1200" kern="1200">
+                <a:solidFill>
+                  <a:schemeClr val="tx1">
+                    <a:lumMod val="75000"/>
+                    <a:lumOff val="25000"/>
+                  </a:schemeClr>
+                </a:solidFill>
+                <a:latin typeface="+mn-lt"/>
+                <a:ea typeface="+mn-ea"/>
+                <a:cs typeface="+mn-cs"/>
+              </a:defRPr>
+            </a:lvl7pPr>
+            <a:lvl8pPr marL="3429000" indent="-228600" algn="l" defTabSz="457200" rtl="0" eaLnBrk="1" latinLnBrk="0" hangingPunct="1">
+              <a:spcBef>
+                <a:spcPts val="1000"/>
+              </a:spcBef>
+              <a:spcAft>
+                <a:spcPts val="0"/>
+              </a:spcAft>
+              <a:buClr>
+                <a:schemeClr val="accent1"/>
+              </a:buClr>
+              <a:buSzPct val="80000"/>
+              <a:buFont typeface="Wingdings 3" charset="2"/>
+              <a:buChar char=""/>
+              <a:defRPr sz="1200" kern="1200">
+                <a:solidFill>
+                  <a:schemeClr val="tx1">
+                    <a:lumMod val="75000"/>
+                    <a:lumOff val="25000"/>
+                  </a:schemeClr>
+                </a:solidFill>
+                <a:latin typeface="+mn-lt"/>
+                <a:ea typeface="+mn-ea"/>
+                <a:cs typeface="+mn-cs"/>
+              </a:defRPr>
+            </a:lvl8pPr>
+            <a:lvl9pPr marL="3886200" indent="-228600" algn="l" defTabSz="457200" rtl="0" eaLnBrk="1" latinLnBrk="0" hangingPunct="1">
+              <a:spcBef>
+                <a:spcPts val="1000"/>
+              </a:spcBef>
+              <a:spcAft>
+                <a:spcPts val="0"/>
+              </a:spcAft>
+              <a:buClr>
+                <a:schemeClr val="accent1"/>
+              </a:buClr>
+              <a:buSzPct val="80000"/>
+              <a:buFont typeface="Wingdings 3" charset="2"/>
+              <a:buChar char=""/>
+              <a:defRPr sz="1200" kern="1200">
+                <a:solidFill>
+                  <a:schemeClr val="tx1">
+                    <a:lumMod val="75000"/>
+                    <a:lumOff val="25000"/>
+                  </a:schemeClr>
+                </a:solidFill>
+                <a:latin typeface="+mn-lt"/>
+                <a:ea typeface="+mn-ea"/>
+                <a:cs typeface="+mn-cs"/>
+              </a:defRPr>
+            </a:lvl9pPr>
+          </a:lstStyle>
+          <a:p>
+            <a:pPr algn="r" rtl="1">
+              <a:buFont typeface="Wingdings" panose="05000000000000000000" pitchFamily="2" charset="2"/>
+              <a:buChar char="v"/>
+            </a:pPr>
+            <a:r>
+              <a:rPr lang="ar-SA" sz="2400" dirty="0">
+                <a:latin typeface="Al-Jazeera-Arabic-Regular" panose="01000500000000020006" pitchFamily="2" charset="-78"/>
+                <a:cs typeface="Al-Jazeera-Arabic-Regular" panose="01000500000000020006" pitchFamily="2" charset="-78"/>
+              </a:rPr>
+              <a:t>لكل جدول في قاعدة البيانات هناك 3 متتبعات .</a:t>
+            </a:r>
+          </a:p>
+          <a:p>
+            <a:pPr algn="r" rtl="1">
+              <a:buFont typeface="Wingdings" panose="05000000000000000000" pitchFamily="2" charset="2"/>
+              <a:buChar char="v"/>
+            </a:pPr>
+            <a:r>
+              <a:rPr lang="ar-SA" sz="2400" dirty="0">
+                <a:latin typeface="Al-Jazeera-Arabic-Regular" panose="01000500000000020006" pitchFamily="2" charset="-78"/>
+                <a:cs typeface="Al-Jazeera-Arabic-Regular" panose="01000500000000020006" pitchFamily="2" charset="-78"/>
+              </a:rPr>
+              <a:t>هذه المتتبعات تسمى </a:t>
+            </a:r>
+            <a:r>
+              <a:rPr lang="en-US" sz="2400" dirty="0">
+                <a:latin typeface="Adobe Ming Std L" panose="02020300000000000000" pitchFamily="18" charset="-128"/>
+                <a:ea typeface="Adobe Ming Std L" panose="02020300000000000000" pitchFamily="18" charset="-128"/>
+              </a:rPr>
+              <a:t>triggers</a:t>
+            </a:r>
+            <a:r>
+              <a:rPr lang="ar-SA" sz="2400" dirty="0">
+                <a:latin typeface="Adobe Ming Std L" panose="02020300000000000000" pitchFamily="18" charset="-128"/>
+                <a:ea typeface="Adobe Ming Std L" panose="02020300000000000000" pitchFamily="18" charset="-128"/>
+              </a:rPr>
+              <a:t> (مكتوبة بلغة </a:t>
+            </a:r>
+            <a:r>
+              <a:rPr lang="en-US" sz="2400" dirty="0" err="1">
+                <a:latin typeface="Adobe Ming Std L" panose="02020300000000000000" pitchFamily="18" charset="-128"/>
+                <a:ea typeface="Adobe Ming Std L" panose="02020300000000000000" pitchFamily="18" charset="-128"/>
+              </a:rPr>
+              <a:t>pl</a:t>
+            </a:r>
+            <a:r>
+              <a:rPr lang="en-US" sz="2400" dirty="0">
+                <a:latin typeface="Adobe Ming Std L" panose="02020300000000000000" pitchFamily="18" charset="-128"/>
+                <a:ea typeface="Adobe Ming Std L" panose="02020300000000000000" pitchFamily="18" charset="-128"/>
+              </a:rPr>
+              <a:t>\</a:t>
+            </a:r>
+            <a:r>
+              <a:rPr lang="en-US" sz="2400" dirty="0" err="1">
+                <a:latin typeface="Adobe Ming Std L" panose="02020300000000000000" pitchFamily="18" charset="-128"/>
+                <a:ea typeface="Adobe Ming Std L" panose="02020300000000000000" pitchFamily="18" charset="-128"/>
+              </a:rPr>
+              <a:t>sql</a:t>
+            </a:r>
+            <a:r>
+              <a:rPr lang="ar-SA" sz="2400" dirty="0">
+                <a:latin typeface="Adobe Ming Std L" panose="02020300000000000000" pitchFamily="18" charset="-128"/>
+                <a:ea typeface="Adobe Ming Std L" panose="02020300000000000000" pitchFamily="18" charset="-128"/>
+              </a:rPr>
+              <a:t>)</a:t>
+            </a:r>
+            <a:endParaRPr lang="ar-SA" sz="2400" dirty="0">
+              <a:latin typeface="Al-Jazeera-Arabic-Regular" panose="01000500000000020006" pitchFamily="2" charset="-78"/>
+              <a:cs typeface="Al-Jazeera-Arabic-Regular" panose="01000500000000020006" pitchFamily="2" charset="-78"/>
+            </a:endParaRPr>
+          </a:p>
+          <a:p>
+            <a:pPr algn="r" rtl="1">
+              <a:buFont typeface="Wingdings" panose="05000000000000000000" pitchFamily="2" charset="2"/>
+              <a:buChar char="v"/>
+            </a:pPr>
+            <a:r>
+              <a:rPr lang="ar-SA" sz="2400" dirty="0">
+                <a:latin typeface="Al-Jazeera-Arabic-Regular" panose="01000500000000020006" pitchFamily="2" charset="-78"/>
+                <a:cs typeface="Al-Jazeera-Arabic-Regular" panose="01000500000000020006" pitchFamily="2" charset="-78"/>
+              </a:rPr>
+              <a:t>تقول ال3 متتبعات بتتبع عمليات الإضافة والتعديل والحذف .</a:t>
+            </a:r>
+          </a:p>
+          <a:p>
+            <a:pPr algn="r" rtl="1">
+              <a:buFont typeface="Wingdings" panose="05000000000000000000" pitchFamily="2" charset="2"/>
+              <a:buChar char="v"/>
+            </a:pPr>
+            <a:r>
+              <a:rPr lang="ar-SA" sz="2400" dirty="0">
+                <a:latin typeface="Al-Jazeera-Arabic-Regular" panose="01000500000000020006" pitchFamily="2" charset="-78"/>
+                <a:cs typeface="Al-Jazeera-Arabic-Regular" panose="01000500000000020006" pitchFamily="2" charset="-78"/>
+              </a:rPr>
+              <a:t>اذا حصلت أي عملية من هذه العمليات فإن المتتبعات تنفذ كوداً برمجياً .</a:t>
+            </a:r>
+          </a:p>
+          <a:p>
+            <a:pPr algn="r" rtl="1">
+              <a:buFont typeface="Wingdings" panose="05000000000000000000" pitchFamily="2" charset="2"/>
+              <a:buChar char="v"/>
+            </a:pPr>
+            <a:r>
+              <a:rPr lang="ar-SA" sz="2400" dirty="0">
+                <a:latin typeface="Al-Jazeera-Arabic-Regular" panose="01000500000000020006" pitchFamily="2" charset="-78"/>
+                <a:cs typeface="Al-Jazeera-Arabic-Regular" panose="01000500000000020006" pitchFamily="2" charset="-78"/>
+              </a:rPr>
+              <a:t>الكود البرمجي ببساطة هو ان تقوم بتسجيل العملية في الجدول الاحتياطي او جدول اللوج الذي تم التكلم عنه سابقاً ..</a:t>
+            </a:r>
+          </a:p>
+          <a:p>
+            <a:pPr algn="r" rtl="1">
+              <a:buFont typeface="Wingdings" panose="05000000000000000000" pitchFamily="2" charset="2"/>
+              <a:buChar char="v"/>
+            </a:pPr>
+            <a:r>
+              <a:rPr lang="ar-SA" sz="2400" dirty="0">
+                <a:latin typeface="Al-Jazeera-Arabic-Regular" panose="01000500000000020006" pitchFamily="2" charset="-78"/>
+                <a:cs typeface="Al-Jazeera-Arabic-Regular" panose="01000500000000020006" pitchFamily="2" charset="-78"/>
+              </a:rPr>
+              <a:t>المتتبع الخاص بتتبع الإضافة يحدد أن نوع العملية كانت إضافة وكذلك المتتبعات الأخرى .</a:t>
+            </a:r>
+          </a:p>
+        </p:txBody>
+      </p:sp>
+      <p:pic>
+        <p:nvPicPr>
+          <p:cNvPr id="9" name="Picture 8">
+            <a:extLst>
+              <a:ext uri="{FF2B5EF4-FFF2-40B4-BE49-F238E27FC236}">
+                <a16:creationId xmlns:a16="http://schemas.microsoft.com/office/drawing/2014/main" id="{E9C5AEFC-7A38-4616-8278-D87B99C1D87D}"/>
+              </a:ext>
+            </a:extLst>
+          </p:cNvPr>
+          <p:cNvPicPr>
+            <a:picLocks noChangeAspect="1"/>
+          </p:cNvPicPr>
+          <p:nvPr/>
+        </p:nvPicPr>
+        <p:blipFill rotWithShape="1">
+          <a:blip r:embed="rId2"/>
+          <a:srcRect t="2795" b="3623"/>
+          <a:stretch/>
+        </p:blipFill>
+        <p:spPr>
+          <a:xfrm>
+            <a:off x="1465490" y="4682825"/>
+            <a:ext cx="4630510" cy="1810349"/>
+          </a:xfrm>
+          <a:prstGeom prst="rect">
+            <a:avLst/>
+          </a:prstGeom>
+        </p:spPr>
+      </p:pic>
     </p:spTree>
     <p:extLst>
       <p:ext uri="{BB962C8B-B14F-4D97-AF65-F5344CB8AC3E}">
-        <p14:creationId xmlns:p14="http://schemas.microsoft.com/office/powerpoint/2010/main" val="1308704618"/>
+        <p14:creationId xmlns:p14="http://schemas.microsoft.com/office/powerpoint/2010/main" val="2526936637"/>
       </p:ext>
     </p:extLst>
   </p:cSld>
@@ -9210,7 +9776,7 @@
           <p:cNvPr id="2" name="Title 1">
             <a:extLst>
               <a:ext uri="{FF2B5EF4-FFF2-40B4-BE49-F238E27FC236}">
-                <a16:creationId xmlns:a16="http://schemas.microsoft.com/office/drawing/2014/main" id="{D767E2B6-233F-4039-946A-07267336932A}"/>
+                <a16:creationId xmlns:a16="http://schemas.microsoft.com/office/drawing/2014/main" id="{E4AE5B47-795A-4B6B-BD92-F2B9729EADFC}"/>
               </a:ext>
             </a:extLst>
           </p:cNvPr>
@@ -9230,7 +9796,7 @@
           <a:p>
             <a:r>
               <a:rPr lang="en-US" dirty="0"/>
-              <a:t>Users</a:t>
+              <a:t>Procedures</a:t>
             </a:r>
             <a:br>
               <a:rPr lang="en-US" dirty="0"/>
@@ -9244,33 +9810,447 @@
       </p:sp>
       <p:sp>
         <p:nvSpPr>
-          <p:cNvPr id="3" name="Content Placeholder 2">
+          <p:cNvPr id="4" name="Content Placeholder 2">
             <a:extLst>
               <a:ext uri="{FF2B5EF4-FFF2-40B4-BE49-F238E27FC236}">
-                <a16:creationId xmlns:a16="http://schemas.microsoft.com/office/drawing/2014/main" id="{32AA443B-29BA-4C16-9CA2-2CE282B9DA6F}"/>
+                <a16:creationId xmlns:a16="http://schemas.microsoft.com/office/drawing/2014/main" id="{584A0D07-669B-4B28-93F9-A861624CBED3}"/>
               </a:ext>
             </a:extLst>
           </p:cNvPr>
-          <p:cNvSpPr>
-            <a:spLocks noGrp="1"/>
-          </p:cNvSpPr>
-          <p:nvPr>
-            <p:ph idx="1"/>
-          </p:nvPr>
-        </p:nvSpPr>
-        <p:spPr/>
-        <p:txBody>
-          <a:bodyPr/>
-          <a:lstStyle/>
-          <a:p>
-            <a:endParaRPr lang="en-US" dirty="0"/>
+          <p:cNvSpPr txBox="1">
+            <a:spLocks/>
+          </p:cNvSpPr>
+          <p:nvPr/>
+        </p:nvSpPr>
+        <p:spPr>
+          <a:xfrm>
+            <a:off x="677334" y="1494384"/>
+            <a:ext cx="9042511" cy="4971731"/>
+          </a:xfrm>
+          <a:prstGeom prst="rect">
+            <a:avLst/>
+          </a:prstGeom>
+        </p:spPr>
+        <p:txBody>
+          <a:bodyPr vert="horz" lIns="91440" tIns="45720" rIns="91440" bIns="45720" rtlCol="0">
+            <a:normAutofit/>
+          </a:bodyPr>
+          <a:lstStyle>
+            <a:lvl1pPr marL="342900" indent="-342900" algn="l" defTabSz="457200" rtl="0" eaLnBrk="1" latinLnBrk="0" hangingPunct="1">
+              <a:spcBef>
+                <a:spcPts val="1000"/>
+              </a:spcBef>
+              <a:spcAft>
+                <a:spcPts val="0"/>
+              </a:spcAft>
+              <a:buClr>
+                <a:schemeClr val="accent1"/>
+              </a:buClr>
+              <a:buSzPct val="80000"/>
+              <a:buFont typeface="Wingdings 3" charset="2"/>
+              <a:buChar char=""/>
+              <a:defRPr sz="1800" kern="1200">
+                <a:solidFill>
+                  <a:schemeClr val="tx1">
+                    <a:lumMod val="75000"/>
+                    <a:lumOff val="25000"/>
+                  </a:schemeClr>
+                </a:solidFill>
+                <a:latin typeface="+mn-lt"/>
+                <a:ea typeface="+mn-ea"/>
+                <a:cs typeface="+mn-cs"/>
+              </a:defRPr>
+            </a:lvl1pPr>
+            <a:lvl2pPr marL="742950" indent="-285750" algn="l" defTabSz="457200" rtl="0" eaLnBrk="1" latinLnBrk="0" hangingPunct="1">
+              <a:spcBef>
+                <a:spcPts val="1000"/>
+              </a:spcBef>
+              <a:spcAft>
+                <a:spcPts val="0"/>
+              </a:spcAft>
+              <a:buClr>
+                <a:schemeClr val="accent1"/>
+              </a:buClr>
+              <a:buSzPct val="80000"/>
+              <a:buFont typeface="Wingdings 3" charset="2"/>
+              <a:buChar char=""/>
+              <a:defRPr sz="1600" kern="1200">
+                <a:solidFill>
+                  <a:schemeClr val="tx1">
+                    <a:lumMod val="75000"/>
+                    <a:lumOff val="25000"/>
+                  </a:schemeClr>
+                </a:solidFill>
+                <a:latin typeface="+mn-lt"/>
+                <a:ea typeface="+mn-ea"/>
+                <a:cs typeface="+mn-cs"/>
+              </a:defRPr>
+            </a:lvl2pPr>
+            <a:lvl3pPr marL="1143000" indent="-228600" algn="l" defTabSz="457200" rtl="0" eaLnBrk="1" latinLnBrk="0" hangingPunct="1">
+              <a:spcBef>
+                <a:spcPts val="1000"/>
+              </a:spcBef>
+              <a:spcAft>
+                <a:spcPts val="0"/>
+              </a:spcAft>
+              <a:buClr>
+                <a:schemeClr val="accent1"/>
+              </a:buClr>
+              <a:buSzPct val="80000"/>
+              <a:buFont typeface="Wingdings 3" charset="2"/>
+              <a:buChar char=""/>
+              <a:defRPr sz="1400" kern="1200">
+                <a:solidFill>
+                  <a:schemeClr val="tx1">
+                    <a:lumMod val="75000"/>
+                    <a:lumOff val="25000"/>
+                  </a:schemeClr>
+                </a:solidFill>
+                <a:latin typeface="+mn-lt"/>
+                <a:ea typeface="+mn-ea"/>
+                <a:cs typeface="+mn-cs"/>
+              </a:defRPr>
+            </a:lvl3pPr>
+            <a:lvl4pPr marL="1600200" indent="-228600" algn="l" defTabSz="457200" rtl="0" eaLnBrk="1" latinLnBrk="0" hangingPunct="1">
+              <a:spcBef>
+                <a:spcPts val="1000"/>
+              </a:spcBef>
+              <a:spcAft>
+                <a:spcPts val="0"/>
+              </a:spcAft>
+              <a:buClr>
+                <a:schemeClr val="accent1"/>
+              </a:buClr>
+              <a:buSzPct val="80000"/>
+              <a:buFont typeface="Wingdings 3" charset="2"/>
+              <a:buChar char=""/>
+              <a:defRPr sz="1200" kern="1200">
+                <a:solidFill>
+                  <a:schemeClr val="tx1">
+                    <a:lumMod val="75000"/>
+                    <a:lumOff val="25000"/>
+                  </a:schemeClr>
+                </a:solidFill>
+                <a:latin typeface="+mn-lt"/>
+                <a:ea typeface="+mn-ea"/>
+                <a:cs typeface="+mn-cs"/>
+              </a:defRPr>
+            </a:lvl4pPr>
+            <a:lvl5pPr marL="2057400" indent="-228600" algn="l" defTabSz="457200" rtl="0" eaLnBrk="1" latinLnBrk="0" hangingPunct="1">
+              <a:spcBef>
+                <a:spcPts val="1000"/>
+              </a:spcBef>
+              <a:spcAft>
+                <a:spcPts val="0"/>
+              </a:spcAft>
+              <a:buClr>
+                <a:schemeClr val="accent1"/>
+              </a:buClr>
+              <a:buSzPct val="80000"/>
+              <a:buFont typeface="Wingdings 3" charset="2"/>
+              <a:buChar char=""/>
+              <a:defRPr sz="1200" kern="1200">
+                <a:solidFill>
+                  <a:schemeClr val="tx1">
+                    <a:lumMod val="75000"/>
+                    <a:lumOff val="25000"/>
+                  </a:schemeClr>
+                </a:solidFill>
+                <a:latin typeface="+mn-lt"/>
+                <a:ea typeface="+mn-ea"/>
+                <a:cs typeface="+mn-cs"/>
+              </a:defRPr>
+            </a:lvl5pPr>
+            <a:lvl6pPr marL="2514600" indent="-228600" algn="l" defTabSz="457200" rtl="0" eaLnBrk="1" latinLnBrk="0" hangingPunct="1">
+              <a:spcBef>
+                <a:spcPts val="1000"/>
+              </a:spcBef>
+              <a:spcAft>
+                <a:spcPts val="0"/>
+              </a:spcAft>
+              <a:buClr>
+                <a:schemeClr val="accent1"/>
+              </a:buClr>
+              <a:buSzPct val="80000"/>
+              <a:buFont typeface="Wingdings 3" charset="2"/>
+              <a:buChar char=""/>
+              <a:defRPr sz="1200" kern="1200">
+                <a:solidFill>
+                  <a:schemeClr val="tx1">
+                    <a:lumMod val="75000"/>
+                    <a:lumOff val="25000"/>
+                  </a:schemeClr>
+                </a:solidFill>
+                <a:latin typeface="+mn-lt"/>
+                <a:ea typeface="+mn-ea"/>
+                <a:cs typeface="+mn-cs"/>
+              </a:defRPr>
+            </a:lvl6pPr>
+            <a:lvl7pPr marL="2971800" indent="-228600" algn="l" defTabSz="457200" rtl="0" eaLnBrk="1" latinLnBrk="0" hangingPunct="1">
+              <a:spcBef>
+                <a:spcPts val="1000"/>
+              </a:spcBef>
+              <a:spcAft>
+                <a:spcPts val="0"/>
+              </a:spcAft>
+              <a:buClr>
+                <a:schemeClr val="accent1"/>
+              </a:buClr>
+              <a:buSzPct val="80000"/>
+              <a:buFont typeface="Wingdings 3" charset="2"/>
+              <a:buChar char=""/>
+              <a:defRPr sz="1200" kern="1200">
+                <a:solidFill>
+                  <a:schemeClr val="tx1">
+                    <a:lumMod val="75000"/>
+                    <a:lumOff val="25000"/>
+                  </a:schemeClr>
+                </a:solidFill>
+                <a:latin typeface="+mn-lt"/>
+                <a:ea typeface="+mn-ea"/>
+                <a:cs typeface="+mn-cs"/>
+              </a:defRPr>
+            </a:lvl7pPr>
+            <a:lvl8pPr marL="3429000" indent="-228600" algn="l" defTabSz="457200" rtl="0" eaLnBrk="1" latinLnBrk="0" hangingPunct="1">
+              <a:spcBef>
+                <a:spcPts val="1000"/>
+              </a:spcBef>
+              <a:spcAft>
+                <a:spcPts val="0"/>
+              </a:spcAft>
+              <a:buClr>
+                <a:schemeClr val="accent1"/>
+              </a:buClr>
+              <a:buSzPct val="80000"/>
+              <a:buFont typeface="Wingdings 3" charset="2"/>
+              <a:buChar char=""/>
+              <a:defRPr sz="1200" kern="1200">
+                <a:solidFill>
+                  <a:schemeClr val="tx1">
+                    <a:lumMod val="75000"/>
+                    <a:lumOff val="25000"/>
+                  </a:schemeClr>
+                </a:solidFill>
+                <a:latin typeface="+mn-lt"/>
+                <a:ea typeface="+mn-ea"/>
+                <a:cs typeface="+mn-cs"/>
+              </a:defRPr>
+            </a:lvl8pPr>
+            <a:lvl9pPr marL="3886200" indent="-228600" algn="l" defTabSz="457200" rtl="0" eaLnBrk="1" latinLnBrk="0" hangingPunct="1">
+              <a:spcBef>
+                <a:spcPts val="1000"/>
+              </a:spcBef>
+              <a:spcAft>
+                <a:spcPts val="0"/>
+              </a:spcAft>
+              <a:buClr>
+                <a:schemeClr val="accent1"/>
+              </a:buClr>
+              <a:buSzPct val="80000"/>
+              <a:buFont typeface="Wingdings 3" charset="2"/>
+              <a:buChar char=""/>
+              <a:defRPr sz="1200" kern="1200">
+                <a:solidFill>
+                  <a:schemeClr val="tx1">
+                    <a:lumMod val="75000"/>
+                    <a:lumOff val="25000"/>
+                  </a:schemeClr>
+                </a:solidFill>
+                <a:latin typeface="+mn-lt"/>
+                <a:ea typeface="+mn-ea"/>
+                <a:cs typeface="+mn-cs"/>
+              </a:defRPr>
+            </a:lvl9pPr>
+          </a:lstStyle>
+          <a:p>
+            <a:pPr algn="r" rtl="1">
+              <a:buFont typeface="Wingdings" panose="05000000000000000000" pitchFamily="2" charset="2"/>
+              <a:buChar char="v"/>
+            </a:pPr>
+            <a:r>
+              <a:rPr lang="ar-SA" sz="2400" dirty="0">
+                <a:latin typeface="Al-Jazeera-Arabic-Regular" panose="01000500000000020006" pitchFamily="2" charset="-78"/>
+                <a:cs typeface="Al-Jazeera-Arabic-Regular" panose="01000500000000020006" pitchFamily="2" charset="-78"/>
+              </a:rPr>
+              <a:t>هي الدوال التي يتم استخدامها في قاعدة البيانات .</a:t>
+            </a:r>
+          </a:p>
+          <a:p>
+            <a:pPr algn="r" rtl="1">
+              <a:buFont typeface="Wingdings" panose="05000000000000000000" pitchFamily="2" charset="2"/>
+              <a:buChar char="v"/>
+            </a:pPr>
+            <a:r>
+              <a:rPr lang="ar-SA" sz="2400" dirty="0">
+                <a:latin typeface="Al-Jazeera-Arabic-Regular" panose="01000500000000020006" pitchFamily="2" charset="-78"/>
+                <a:cs typeface="Al-Jazeera-Arabic-Regular" panose="01000500000000020006" pitchFamily="2" charset="-78"/>
+              </a:rPr>
+              <a:t>هذه الدوال تقوم بعمليات إضافة الطلاب , الموظفين بشكل عام .</a:t>
+            </a:r>
+          </a:p>
+          <a:p>
+            <a:pPr algn="r" rtl="1">
+              <a:buFont typeface="Wingdings" panose="05000000000000000000" pitchFamily="2" charset="2"/>
+              <a:buChar char="v"/>
+            </a:pPr>
+            <a:r>
+              <a:rPr lang="ar-SA" sz="2400" dirty="0">
+                <a:latin typeface="Al-Jazeera-Arabic-Regular" panose="01000500000000020006" pitchFamily="2" charset="-78"/>
+                <a:cs typeface="Al-Jazeera-Arabic-Regular" panose="01000500000000020006" pitchFamily="2" charset="-78"/>
+              </a:rPr>
+              <a:t>تستخدم هذه الدالة الـ</a:t>
+            </a:r>
+            <a:r>
+              <a:rPr lang="en-US" sz="2400" dirty="0">
+                <a:latin typeface="Adobe Fan Heiti Std B" panose="020B0700000000000000" pitchFamily="34" charset="-128"/>
+                <a:ea typeface="Adobe Fan Heiti Std B" panose="020B0700000000000000" pitchFamily="34" charset="-128"/>
+                <a:cs typeface="Al-Jazeera-Arabic-Regular" panose="01000500000000020006" pitchFamily="2" charset="-78"/>
+              </a:rPr>
+              <a:t>sequences</a:t>
+            </a:r>
+            <a:r>
+              <a:rPr lang="ar-SA" sz="2400" dirty="0">
+                <a:latin typeface="Adobe Fan Heiti Std B" panose="020B0700000000000000" pitchFamily="34" charset="-128"/>
+                <a:ea typeface="Adobe Fan Heiti Std B" panose="020B0700000000000000" pitchFamily="34" charset="-128"/>
+                <a:cs typeface="Al-Jazeera-Arabic-Regular" panose="01000500000000020006" pitchFamily="2" charset="-78"/>
+              </a:rPr>
+              <a:t> حيث تقوم باستخدمها بعمل ال</a:t>
+            </a:r>
+            <a:r>
+              <a:rPr lang="en-US" sz="2400" dirty="0">
+                <a:latin typeface="Adobe Fan Heiti Std B" panose="020B0700000000000000" pitchFamily="34" charset="-128"/>
+                <a:ea typeface="Adobe Fan Heiti Std B" panose="020B0700000000000000" pitchFamily="34" charset="-128"/>
+                <a:cs typeface="Al-Jazeera-Arabic-Regular" panose="01000500000000020006" pitchFamily="2" charset="-78"/>
+              </a:rPr>
+              <a:t>id</a:t>
+            </a:r>
+            <a:r>
+              <a:rPr lang="ar-SA" sz="2400" dirty="0">
+                <a:latin typeface="Adobe Fan Heiti Std B" panose="020B0700000000000000" pitchFamily="34" charset="-128"/>
+                <a:ea typeface="Adobe Fan Heiti Std B" panose="020B0700000000000000" pitchFamily="34" charset="-128"/>
+                <a:cs typeface="Al-Jazeera-Arabic-Regular" panose="01000500000000020006" pitchFamily="2" charset="-78"/>
+              </a:rPr>
+              <a:t> الخاص بكل طالب , موظف .</a:t>
+            </a:r>
+            <a:endParaRPr lang="ar-SA" sz="2400" dirty="0">
+              <a:latin typeface="Al-Jazeera-Arabic-Regular" panose="01000500000000020006" pitchFamily="2" charset="-78"/>
+              <a:cs typeface="Al-Jazeera-Arabic-Regular" panose="01000500000000020006" pitchFamily="2" charset="-78"/>
+            </a:endParaRPr>
+          </a:p>
+          <a:p>
+            <a:pPr algn="r" rtl="1">
+              <a:buFont typeface="Wingdings" panose="05000000000000000000" pitchFamily="2" charset="2"/>
+              <a:buChar char="v"/>
+            </a:pPr>
+            <a:r>
+              <a:rPr lang="ar-SA" sz="2400" dirty="0">
+                <a:latin typeface="Al-Jazeera-Arabic-Regular" panose="01000500000000020006" pitchFamily="2" charset="-78"/>
+                <a:cs typeface="Al-Jazeera-Arabic-Regular" panose="01000500000000020006" pitchFamily="2" charset="-78"/>
+              </a:rPr>
+              <a:t>تقوم الدالة باعطاء كل طالب , موظف اسم مستخدم خاص للدخول .</a:t>
+            </a:r>
+          </a:p>
+          <a:p>
+            <a:pPr algn="r" rtl="1">
+              <a:buFont typeface="Wingdings" panose="05000000000000000000" pitchFamily="2" charset="2"/>
+              <a:buChar char="v"/>
+            </a:pPr>
+            <a:r>
+              <a:rPr lang="ar-SA" sz="2400" dirty="0">
+                <a:latin typeface="Al-Jazeera-Arabic-Regular" panose="01000500000000020006" pitchFamily="2" charset="-78"/>
+                <a:cs typeface="Al-Jazeera-Arabic-Regular" panose="01000500000000020006" pitchFamily="2" charset="-78"/>
+              </a:rPr>
+              <a:t>اسم المستخدم هو رقم ال</a:t>
+            </a:r>
+            <a:r>
+              <a:rPr lang="en-US" sz="2400" dirty="0">
+                <a:latin typeface="Adobe Fan Heiti Std B" panose="020B0700000000000000" pitchFamily="34" charset="-128"/>
+                <a:ea typeface="Adobe Fan Heiti Std B" panose="020B0700000000000000" pitchFamily="34" charset="-128"/>
+                <a:cs typeface="Al-Jazeera-Arabic-Regular" panose="01000500000000020006" pitchFamily="2" charset="-78"/>
+              </a:rPr>
+              <a:t>id</a:t>
+            </a:r>
+            <a:r>
+              <a:rPr lang="ar-SA" sz="2400" dirty="0">
+                <a:latin typeface="Adobe Fan Heiti Std B" panose="020B0700000000000000" pitchFamily="34" charset="-128"/>
+                <a:ea typeface="Adobe Fan Heiti Std B" panose="020B0700000000000000" pitchFamily="34" charset="-128"/>
+                <a:cs typeface="Al-Jazeera-Arabic-Regular" panose="01000500000000020006" pitchFamily="2" charset="-78"/>
+              </a:rPr>
+              <a:t> مع حرف </a:t>
+            </a:r>
+            <a:r>
+              <a:rPr lang="en-US" sz="2400" dirty="0">
+                <a:latin typeface="Adobe Fan Heiti Std B" panose="020B0700000000000000" pitchFamily="34" charset="-128"/>
+                <a:ea typeface="Adobe Fan Heiti Std B" panose="020B0700000000000000" pitchFamily="34" charset="-128"/>
+                <a:cs typeface="Al-Jazeera-Arabic-Regular" panose="01000500000000020006" pitchFamily="2" charset="-78"/>
+              </a:rPr>
+              <a:t>S</a:t>
+            </a:r>
+            <a:r>
+              <a:rPr lang="ar-SA" sz="2400" dirty="0">
+                <a:latin typeface="Adobe Fan Heiti Std B" panose="020B0700000000000000" pitchFamily="34" charset="-128"/>
+                <a:ea typeface="Adobe Fan Heiti Std B" panose="020B0700000000000000" pitchFamily="34" charset="-128"/>
+                <a:cs typeface="Al-Jazeera-Arabic-Regular" panose="01000500000000020006" pitchFamily="2" charset="-78"/>
+              </a:rPr>
+              <a:t> اذا كان طالب وحرف </a:t>
+            </a:r>
+            <a:r>
+              <a:rPr lang="en-US" sz="2400" dirty="0">
+                <a:latin typeface="Adobe Fan Heiti Std B" panose="020B0700000000000000" pitchFamily="34" charset="-128"/>
+                <a:ea typeface="Adobe Fan Heiti Std B" panose="020B0700000000000000" pitchFamily="34" charset="-128"/>
+                <a:cs typeface="Al-Jazeera-Arabic-Regular" panose="01000500000000020006" pitchFamily="2" charset="-78"/>
+              </a:rPr>
+              <a:t>E</a:t>
+            </a:r>
+            <a:r>
+              <a:rPr lang="ar-SA" sz="2400" dirty="0">
+                <a:latin typeface="Adobe Fan Heiti Std B" panose="020B0700000000000000" pitchFamily="34" charset="-128"/>
+                <a:ea typeface="Adobe Fan Heiti Std B" panose="020B0700000000000000" pitchFamily="34" charset="-128"/>
+                <a:cs typeface="Al-Jazeera-Arabic-Regular" panose="01000500000000020006" pitchFamily="2" charset="-78"/>
+              </a:rPr>
+              <a:t> اذا كان موظف .</a:t>
+            </a:r>
+          </a:p>
+          <a:p>
+            <a:pPr algn="r" rtl="1">
+              <a:buFont typeface="Wingdings" panose="05000000000000000000" pitchFamily="2" charset="2"/>
+              <a:buChar char="v"/>
+            </a:pPr>
+            <a:r>
+              <a:rPr lang="ar-SA" sz="2400" dirty="0">
+                <a:latin typeface="Adobe Fan Heiti Std B" panose="020B0700000000000000" pitchFamily="34" charset="-128"/>
+                <a:ea typeface="Adobe Fan Heiti Std B" panose="020B0700000000000000" pitchFamily="34" charset="-128"/>
+                <a:cs typeface="Al-Jazeera-Arabic-Regular" panose="01000500000000020006" pitchFamily="2" charset="-78"/>
+              </a:rPr>
+              <a:t>تقوم هذه الدالة باستخدام ال</a:t>
+            </a:r>
+            <a:r>
+              <a:rPr lang="en-US" sz="2400" dirty="0">
+                <a:latin typeface="Adobe Fan Heiti Std B" panose="020B0700000000000000" pitchFamily="34" charset="-128"/>
+                <a:ea typeface="Adobe Fan Heiti Std B" panose="020B0700000000000000" pitchFamily="34" charset="-128"/>
+                <a:cs typeface="Al-Jazeera-Arabic-Regular" panose="01000500000000020006" pitchFamily="2" charset="-78"/>
+              </a:rPr>
+              <a:t>jobs</a:t>
+            </a:r>
+            <a:r>
+              <a:rPr lang="ar-SA" sz="2400" dirty="0">
+                <a:latin typeface="Adobe Fan Heiti Std B" panose="020B0700000000000000" pitchFamily="34" charset="-128"/>
+                <a:ea typeface="Adobe Fan Heiti Std B" panose="020B0700000000000000" pitchFamily="34" charset="-128"/>
+                <a:cs typeface="Al-Jazeera-Arabic-Regular" panose="01000500000000020006" pitchFamily="2" charset="-78"/>
+              </a:rPr>
+              <a:t> لتعيين موعد انتهاء صلاحية بعض الموظفين مثل المدراء على الأقسام .</a:t>
+            </a:r>
+            <a:endParaRPr lang="ar-SA" sz="2400" dirty="0">
+              <a:latin typeface="Al-Jazeera-Arabic-Regular" panose="01000500000000020006" pitchFamily="2" charset="-78"/>
+              <a:cs typeface="Al-Jazeera-Arabic-Regular" panose="01000500000000020006" pitchFamily="2" charset="-78"/>
+            </a:endParaRPr>
           </a:p>
         </p:txBody>
       </p:sp>
     </p:spTree>
     <p:extLst>
       <p:ext uri="{BB962C8B-B14F-4D97-AF65-F5344CB8AC3E}">
-        <p14:creationId xmlns:p14="http://schemas.microsoft.com/office/powerpoint/2010/main" val="117057936"/>
+        <p14:creationId xmlns:p14="http://schemas.microsoft.com/office/powerpoint/2010/main" val="3012365431"/>
       </p:ext>
     </p:extLst>
   </p:cSld>
@@ -9302,7 +10282,7 @@
           <p:cNvPr id="2" name="Title 1">
             <a:extLst>
               <a:ext uri="{FF2B5EF4-FFF2-40B4-BE49-F238E27FC236}">
-                <a16:creationId xmlns:a16="http://schemas.microsoft.com/office/drawing/2014/main" id="{088C88A6-BCC4-4A65-9ED1-9C3298F21F72}"/>
+                <a16:creationId xmlns:a16="http://schemas.microsoft.com/office/drawing/2014/main" id="{E4AE5B47-795A-4B6B-BD92-F2B9729EADFC}"/>
               </a:ext>
             </a:extLst>
           </p:cNvPr>
@@ -9313,16 +10293,22 @@
             <p:ph type="title"/>
           </p:nvPr>
         </p:nvSpPr>
-        <p:spPr/>
+        <p:spPr>
+          <a:xfrm>
+            <a:off x="-561702" y="1876698"/>
+            <a:ext cx="10859224" cy="1320800"/>
+          </a:xfrm>
+        </p:spPr>
         <p:txBody>
           <a:bodyPr>
             <a:normAutofit fontScale="90000"/>
           </a:bodyPr>
           <a:lstStyle/>
           <a:p>
-            <a:r>
-              <a:rPr lang="en-US" dirty="0"/>
-              <a:t>Roles</a:t>
+            <a:pPr algn="ctr"/>
+            <a:r>
+              <a:rPr lang="ar-SA" sz="7300" dirty="0"/>
+              <a:t>النهاية</a:t>
             </a:r>
             <a:br>
               <a:rPr lang="en-US" dirty="0"/>
@@ -9330,122 +10316,297 @@
             <a:br>
               <a:rPr lang="en-US" dirty="0"/>
             </a:br>
-            <a:endParaRPr lang="en-US" dirty="0"/>
-          </a:p>
-        </p:txBody>
-      </p:sp>
-      <p:sp>
-        <p:nvSpPr>
-          <p:cNvPr id="3" name="Content Placeholder 2">
+            <a:br>
+              <a:rPr lang="en-US" dirty="0"/>
+            </a:br>
+            <a:br>
+              <a:rPr lang="en-US" sz="3100" dirty="0"/>
+            </a:br>
+            <a:r>
+              <a:rPr lang="en-US" sz="3100" dirty="0"/>
+              <a:t>“ </a:t>
+            </a:r>
+            <a:r>
+              <a:rPr lang="ar-SA" sz="3100" dirty="0"/>
+              <a:t>اذا لم تحاول جاهداً فأعلم أنك قد فشلت حتى قبل أن تبدأ</a:t>
+            </a:r>
+            <a:r>
+              <a:rPr lang="en-US" sz="3100" dirty="0"/>
+              <a:t>”</a:t>
+            </a:r>
+          </a:p>
+        </p:txBody>
+      </p:sp>
+      <p:sp>
+        <p:nvSpPr>
+          <p:cNvPr id="4" name="Content Placeholder 2">
             <a:extLst>
               <a:ext uri="{FF2B5EF4-FFF2-40B4-BE49-F238E27FC236}">
-                <a16:creationId xmlns:a16="http://schemas.microsoft.com/office/drawing/2014/main" id="{C24615E9-21CE-4C05-8250-F7BEB7D2CB84}"/>
+                <a16:creationId xmlns:a16="http://schemas.microsoft.com/office/drawing/2014/main" id="{584A0D07-669B-4B28-93F9-A861624CBED3}"/>
               </a:ext>
             </a:extLst>
           </p:cNvPr>
-          <p:cNvSpPr>
-            <a:spLocks noGrp="1"/>
-          </p:cNvSpPr>
-          <p:nvPr>
-            <p:ph idx="1"/>
-          </p:nvPr>
-        </p:nvSpPr>
-        <p:spPr/>
-        <p:txBody>
-          <a:bodyPr/>
-          <a:lstStyle/>
-          <a:p>
-            <a:endParaRPr lang="en-US" dirty="0"/>
+          <p:cNvSpPr txBox="1">
+            <a:spLocks/>
+          </p:cNvSpPr>
+          <p:nvPr/>
+        </p:nvSpPr>
+        <p:spPr>
+          <a:xfrm>
+            <a:off x="509451" y="1597881"/>
+            <a:ext cx="9042511" cy="4971731"/>
+          </a:xfrm>
+          <a:prstGeom prst="rect">
+            <a:avLst/>
+          </a:prstGeom>
+        </p:spPr>
+        <p:txBody>
+          <a:bodyPr vert="horz" lIns="91440" tIns="45720" rIns="91440" bIns="45720" rtlCol="0">
+            <a:normAutofit/>
+          </a:bodyPr>
+          <a:lstStyle>
+            <a:lvl1pPr marL="342900" indent="-342900" algn="l" defTabSz="457200" rtl="0" eaLnBrk="1" latinLnBrk="0" hangingPunct="1">
+              <a:spcBef>
+                <a:spcPts val="1000"/>
+              </a:spcBef>
+              <a:spcAft>
+                <a:spcPts val="0"/>
+              </a:spcAft>
+              <a:buClr>
+                <a:schemeClr val="accent1"/>
+              </a:buClr>
+              <a:buSzPct val="80000"/>
+              <a:buFont typeface="Wingdings 3" charset="2"/>
+              <a:buChar char=""/>
+              <a:defRPr sz="1800" kern="1200">
+                <a:solidFill>
+                  <a:schemeClr val="tx1">
+                    <a:lumMod val="75000"/>
+                    <a:lumOff val="25000"/>
+                  </a:schemeClr>
+                </a:solidFill>
+                <a:latin typeface="+mn-lt"/>
+                <a:ea typeface="+mn-ea"/>
+                <a:cs typeface="+mn-cs"/>
+              </a:defRPr>
+            </a:lvl1pPr>
+            <a:lvl2pPr marL="742950" indent="-285750" algn="l" defTabSz="457200" rtl="0" eaLnBrk="1" latinLnBrk="0" hangingPunct="1">
+              <a:spcBef>
+                <a:spcPts val="1000"/>
+              </a:spcBef>
+              <a:spcAft>
+                <a:spcPts val="0"/>
+              </a:spcAft>
+              <a:buClr>
+                <a:schemeClr val="accent1"/>
+              </a:buClr>
+              <a:buSzPct val="80000"/>
+              <a:buFont typeface="Wingdings 3" charset="2"/>
+              <a:buChar char=""/>
+              <a:defRPr sz="1600" kern="1200">
+                <a:solidFill>
+                  <a:schemeClr val="tx1">
+                    <a:lumMod val="75000"/>
+                    <a:lumOff val="25000"/>
+                  </a:schemeClr>
+                </a:solidFill>
+                <a:latin typeface="+mn-lt"/>
+                <a:ea typeface="+mn-ea"/>
+                <a:cs typeface="+mn-cs"/>
+              </a:defRPr>
+            </a:lvl2pPr>
+            <a:lvl3pPr marL="1143000" indent="-228600" algn="l" defTabSz="457200" rtl="0" eaLnBrk="1" latinLnBrk="0" hangingPunct="1">
+              <a:spcBef>
+                <a:spcPts val="1000"/>
+              </a:spcBef>
+              <a:spcAft>
+                <a:spcPts val="0"/>
+              </a:spcAft>
+              <a:buClr>
+                <a:schemeClr val="accent1"/>
+              </a:buClr>
+              <a:buSzPct val="80000"/>
+              <a:buFont typeface="Wingdings 3" charset="2"/>
+              <a:buChar char=""/>
+              <a:defRPr sz="1400" kern="1200">
+                <a:solidFill>
+                  <a:schemeClr val="tx1">
+                    <a:lumMod val="75000"/>
+                    <a:lumOff val="25000"/>
+                  </a:schemeClr>
+                </a:solidFill>
+                <a:latin typeface="+mn-lt"/>
+                <a:ea typeface="+mn-ea"/>
+                <a:cs typeface="+mn-cs"/>
+              </a:defRPr>
+            </a:lvl3pPr>
+            <a:lvl4pPr marL="1600200" indent="-228600" algn="l" defTabSz="457200" rtl="0" eaLnBrk="1" latinLnBrk="0" hangingPunct="1">
+              <a:spcBef>
+                <a:spcPts val="1000"/>
+              </a:spcBef>
+              <a:spcAft>
+                <a:spcPts val="0"/>
+              </a:spcAft>
+              <a:buClr>
+                <a:schemeClr val="accent1"/>
+              </a:buClr>
+              <a:buSzPct val="80000"/>
+              <a:buFont typeface="Wingdings 3" charset="2"/>
+              <a:buChar char=""/>
+              <a:defRPr sz="1200" kern="1200">
+                <a:solidFill>
+                  <a:schemeClr val="tx1">
+                    <a:lumMod val="75000"/>
+                    <a:lumOff val="25000"/>
+                  </a:schemeClr>
+                </a:solidFill>
+                <a:latin typeface="+mn-lt"/>
+                <a:ea typeface="+mn-ea"/>
+                <a:cs typeface="+mn-cs"/>
+              </a:defRPr>
+            </a:lvl4pPr>
+            <a:lvl5pPr marL="2057400" indent="-228600" algn="l" defTabSz="457200" rtl="0" eaLnBrk="1" latinLnBrk="0" hangingPunct="1">
+              <a:spcBef>
+                <a:spcPts val="1000"/>
+              </a:spcBef>
+              <a:spcAft>
+                <a:spcPts val="0"/>
+              </a:spcAft>
+              <a:buClr>
+                <a:schemeClr val="accent1"/>
+              </a:buClr>
+              <a:buSzPct val="80000"/>
+              <a:buFont typeface="Wingdings 3" charset="2"/>
+              <a:buChar char=""/>
+              <a:defRPr sz="1200" kern="1200">
+                <a:solidFill>
+                  <a:schemeClr val="tx1">
+                    <a:lumMod val="75000"/>
+                    <a:lumOff val="25000"/>
+                  </a:schemeClr>
+                </a:solidFill>
+                <a:latin typeface="+mn-lt"/>
+                <a:ea typeface="+mn-ea"/>
+                <a:cs typeface="+mn-cs"/>
+              </a:defRPr>
+            </a:lvl5pPr>
+            <a:lvl6pPr marL="2514600" indent="-228600" algn="l" defTabSz="457200" rtl="0" eaLnBrk="1" latinLnBrk="0" hangingPunct="1">
+              <a:spcBef>
+                <a:spcPts val="1000"/>
+              </a:spcBef>
+              <a:spcAft>
+                <a:spcPts val="0"/>
+              </a:spcAft>
+              <a:buClr>
+                <a:schemeClr val="accent1"/>
+              </a:buClr>
+              <a:buSzPct val="80000"/>
+              <a:buFont typeface="Wingdings 3" charset="2"/>
+              <a:buChar char=""/>
+              <a:defRPr sz="1200" kern="1200">
+                <a:solidFill>
+                  <a:schemeClr val="tx1">
+                    <a:lumMod val="75000"/>
+                    <a:lumOff val="25000"/>
+                  </a:schemeClr>
+                </a:solidFill>
+                <a:latin typeface="+mn-lt"/>
+                <a:ea typeface="+mn-ea"/>
+                <a:cs typeface="+mn-cs"/>
+              </a:defRPr>
+            </a:lvl6pPr>
+            <a:lvl7pPr marL="2971800" indent="-228600" algn="l" defTabSz="457200" rtl="0" eaLnBrk="1" latinLnBrk="0" hangingPunct="1">
+              <a:spcBef>
+                <a:spcPts val="1000"/>
+              </a:spcBef>
+              <a:spcAft>
+                <a:spcPts val="0"/>
+              </a:spcAft>
+              <a:buClr>
+                <a:schemeClr val="accent1"/>
+              </a:buClr>
+              <a:buSzPct val="80000"/>
+              <a:buFont typeface="Wingdings 3" charset="2"/>
+              <a:buChar char=""/>
+              <a:defRPr sz="1200" kern="1200">
+                <a:solidFill>
+                  <a:schemeClr val="tx1">
+                    <a:lumMod val="75000"/>
+                    <a:lumOff val="25000"/>
+                  </a:schemeClr>
+                </a:solidFill>
+                <a:latin typeface="+mn-lt"/>
+                <a:ea typeface="+mn-ea"/>
+                <a:cs typeface="+mn-cs"/>
+              </a:defRPr>
+            </a:lvl7pPr>
+            <a:lvl8pPr marL="3429000" indent="-228600" algn="l" defTabSz="457200" rtl="0" eaLnBrk="1" latinLnBrk="0" hangingPunct="1">
+              <a:spcBef>
+                <a:spcPts val="1000"/>
+              </a:spcBef>
+              <a:spcAft>
+                <a:spcPts val="0"/>
+              </a:spcAft>
+              <a:buClr>
+                <a:schemeClr val="accent1"/>
+              </a:buClr>
+              <a:buSzPct val="80000"/>
+              <a:buFont typeface="Wingdings 3" charset="2"/>
+              <a:buChar char=""/>
+              <a:defRPr sz="1200" kern="1200">
+                <a:solidFill>
+                  <a:schemeClr val="tx1">
+                    <a:lumMod val="75000"/>
+                    <a:lumOff val="25000"/>
+                  </a:schemeClr>
+                </a:solidFill>
+                <a:latin typeface="+mn-lt"/>
+                <a:ea typeface="+mn-ea"/>
+                <a:cs typeface="+mn-cs"/>
+              </a:defRPr>
+            </a:lvl8pPr>
+            <a:lvl9pPr marL="3886200" indent="-228600" algn="l" defTabSz="457200" rtl="0" eaLnBrk="1" latinLnBrk="0" hangingPunct="1">
+              <a:spcBef>
+                <a:spcPts val="1000"/>
+              </a:spcBef>
+              <a:spcAft>
+                <a:spcPts val="0"/>
+              </a:spcAft>
+              <a:buClr>
+                <a:schemeClr val="accent1"/>
+              </a:buClr>
+              <a:buSzPct val="80000"/>
+              <a:buFont typeface="Wingdings 3" charset="2"/>
+              <a:buChar char=""/>
+              <a:defRPr sz="1200" kern="1200">
+                <a:solidFill>
+                  <a:schemeClr val="tx1">
+                    <a:lumMod val="75000"/>
+                    <a:lumOff val="25000"/>
+                  </a:schemeClr>
+                </a:solidFill>
+                <a:latin typeface="+mn-lt"/>
+                <a:ea typeface="+mn-ea"/>
+                <a:cs typeface="+mn-cs"/>
+              </a:defRPr>
+            </a:lvl9pPr>
+          </a:lstStyle>
+          <a:p>
+            <a:pPr algn="r" rtl="1">
+              <a:buFont typeface="Wingdings" panose="05000000000000000000" pitchFamily="2" charset="2"/>
+              <a:buChar char="v"/>
+            </a:pPr>
+            <a:endParaRPr lang="ar-SA" sz="2400" dirty="0">
+              <a:latin typeface="Al-Jazeera-Arabic-Regular" panose="01000500000000020006" pitchFamily="2" charset="-78"/>
+              <a:cs typeface="Al-Jazeera-Arabic-Regular" panose="01000500000000020006" pitchFamily="2" charset="-78"/>
+            </a:endParaRPr>
           </a:p>
         </p:txBody>
       </p:sp>
     </p:spTree>
     <p:extLst>
       <p:ext uri="{BB962C8B-B14F-4D97-AF65-F5344CB8AC3E}">
-        <p14:creationId xmlns:p14="http://schemas.microsoft.com/office/powerpoint/2010/main" val="1085815256"/>
-      </p:ext>
-    </p:extLst>
-  </p:cSld>
-  <p:clrMapOvr>
-    <a:masterClrMapping/>
-  </p:clrMapOvr>
-</p:sld>
-</file>
-
-<file path=ppt/slides/slide22.xml><?xml version="1.0" encoding="utf-8"?>
-<p:sld xmlns:a="http://schemas.openxmlformats.org/drawingml/2006/main" xmlns:r="http://schemas.openxmlformats.org/officeDocument/2006/relationships" xmlns:p="http://schemas.openxmlformats.org/presentationml/2006/main">
-  <p:cSld>
-    <p:spTree>
-      <p:nvGrpSpPr>
-        <p:cNvPr id="1" name=""/>
-        <p:cNvGrpSpPr/>
-        <p:nvPr/>
-      </p:nvGrpSpPr>
-      <p:grpSpPr>
-        <a:xfrm>
-          <a:off x="0" y="0"/>
-          <a:ext cx="0" cy="0"/>
-          <a:chOff x="0" y="0"/>
-          <a:chExt cx="0" cy="0"/>
-        </a:xfrm>
-      </p:grpSpPr>
-      <p:sp>
-        <p:nvSpPr>
-          <p:cNvPr id="2" name="Title 1">
-            <a:extLst>
-              <a:ext uri="{FF2B5EF4-FFF2-40B4-BE49-F238E27FC236}">
-                <a16:creationId xmlns:a16="http://schemas.microsoft.com/office/drawing/2014/main" id="{3338DEEC-F587-4265-8731-1B0D5D0B0E55}"/>
-              </a:ext>
-            </a:extLst>
-          </p:cNvPr>
-          <p:cNvSpPr>
-            <a:spLocks noGrp="1"/>
-          </p:cNvSpPr>
-          <p:nvPr>
-            <p:ph type="title"/>
-          </p:nvPr>
-        </p:nvSpPr>
-        <p:spPr/>
-        <p:txBody>
-          <a:bodyPr/>
-          <a:lstStyle/>
-          <a:p>
-            <a:r>
-              <a:rPr lang="en-US" dirty="0"/>
-              <a:t>Jobs</a:t>
-            </a:r>
-          </a:p>
-        </p:txBody>
-      </p:sp>
-      <p:sp>
-        <p:nvSpPr>
-          <p:cNvPr id="3" name="Content Placeholder 2">
-            <a:extLst>
-              <a:ext uri="{FF2B5EF4-FFF2-40B4-BE49-F238E27FC236}">
-                <a16:creationId xmlns:a16="http://schemas.microsoft.com/office/drawing/2014/main" id="{D4DD497D-E314-4489-A2B3-88C3855708F2}"/>
-              </a:ext>
-            </a:extLst>
-          </p:cNvPr>
-          <p:cNvSpPr>
-            <a:spLocks noGrp="1"/>
-          </p:cNvSpPr>
-          <p:nvPr>
-            <p:ph idx="1"/>
-          </p:nvPr>
-        </p:nvSpPr>
-        <p:spPr/>
-        <p:txBody>
-          <a:bodyPr/>
-          <a:lstStyle/>
-          <a:p>
-            <a:endParaRPr lang="en-US"/>
-          </a:p>
-        </p:txBody>
-      </p:sp>
-    </p:spTree>
-    <p:extLst>
-      <p:ext uri="{BB962C8B-B14F-4D97-AF65-F5344CB8AC3E}">
-        <p14:creationId xmlns:p14="http://schemas.microsoft.com/office/powerpoint/2010/main" val="2880272475"/>
+        <p14:creationId xmlns:p14="http://schemas.microsoft.com/office/powerpoint/2010/main" val="3098954543"/>
       </p:ext>
     </p:extLst>
   </p:cSld>
